--- a/docs/1.architecture_web.pptx
+++ b/docs/1.architecture_web.pptx
@@ -259,7 +259,7 @@
           <a:lstStyle/>
           <a:p>
             <a:fld id="{DACD4D4D-C7B3-5F42-853B-1E10904A7BC6}" type="datetimeFigureOut">
-              <a:t>5/15/19</a:t>
+              <a:t>5/28/19</a:t>
             </a:fld>
             <a:endParaRPr lang="en-US"/>
           </a:p>
@@ -455,7 +455,7 @@
           <a:lstStyle/>
           <a:p>
             <a:fld id="{DACD4D4D-C7B3-5F42-853B-1E10904A7BC6}" type="datetimeFigureOut">
-              <a:t>5/15/19</a:t>
+              <a:t>5/28/19</a:t>
             </a:fld>
             <a:endParaRPr lang="en-US"/>
           </a:p>
@@ -661,7 +661,7 @@
           <a:lstStyle/>
           <a:p>
             <a:fld id="{DACD4D4D-C7B3-5F42-853B-1E10904A7BC6}" type="datetimeFigureOut">
-              <a:t>5/15/19</a:t>
+              <a:t>5/28/19</a:t>
             </a:fld>
             <a:endParaRPr lang="en-US"/>
           </a:p>
@@ -857,7 +857,7 @@
           <a:lstStyle/>
           <a:p>
             <a:fld id="{DACD4D4D-C7B3-5F42-853B-1E10904A7BC6}" type="datetimeFigureOut">
-              <a:t>5/15/19</a:t>
+              <a:t>5/28/19</a:t>
             </a:fld>
             <a:endParaRPr lang="en-US"/>
           </a:p>
@@ -1130,7 +1130,7 @@
           <a:lstStyle/>
           <a:p>
             <a:fld id="{DACD4D4D-C7B3-5F42-853B-1E10904A7BC6}" type="datetimeFigureOut">
-              <a:t>5/15/19</a:t>
+              <a:t>5/28/19</a:t>
             </a:fld>
             <a:endParaRPr lang="en-US"/>
           </a:p>
@@ -1393,7 +1393,7 @@
           <a:lstStyle/>
           <a:p>
             <a:fld id="{DACD4D4D-C7B3-5F42-853B-1E10904A7BC6}" type="datetimeFigureOut">
-              <a:t>5/15/19</a:t>
+              <a:t>5/28/19</a:t>
             </a:fld>
             <a:endParaRPr lang="en-US"/>
           </a:p>
@@ -1803,7 +1803,7 @@
           <a:lstStyle/>
           <a:p>
             <a:fld id="{DACD4D4D-C7B3-5F42-853B-1E10904A7BC6}" type="datetimeFigureOut">
-              <a:t>5/15/19</a:t>
+              <a:t>5/28/19</a:t>
             </a:fld>
             <a:endParaRPr lang="en-US"/>
           </a:p>
@@ -1942,7 +1942,7 @@
           <a:lstStyle/>
           <a:p>
             <a:fld id="{DACD4D4D-C7B3-5F42-853B-1E10904A7BC6}" type="datetimeFigureOut">
-              <a:t>5/15/19</a:t>
+              <a:t>5/28/19</a:t>
             </a:fld>
             <a:endParaRPr lang="en-US"/>
           </a:p>
@@ -2053,7 +2053,7 @@
           <a:lstStyle/>
           <a:p>
             <a:fld id="{DACD4D4D-C7B3-5F42-853B-1E10904A7BC6}" type="datetimeFigureOut">
-              <a:t>5/15/19</a:t>
+              <a:t>5/28/19</a:t>
             </a:fld>
             <a:endParaRPr lang="en-US"/>
           </a:p>
@@ -2362,7 +2362,7 @@
           <a:lstStyle/>
           <a:p>
             <a:fld id="{DACD4D4D-C7B3-5F42-853B-1E10904A7BC6}" type="datetimeFigureOut">
-              <a:t>5/15/19</a:t>
+              <a:t>5/28/19</a:t>
             </a:fld>
             <a:endParaRPr lang="en-US"/>
           </a:p>
@@ -2648,7 +2648,7 @@
           <a:lstStyle/>
           <a:p>
             <a:fld id="{DACD4D4D-C7B3-5F42-853B-1E10904A7BC6}" type="datetimeFigureOut">
-              <a:t>5/15/19</a:t>
+              <a:t>5/28/19</a:t>
             </a:fld>
             <a:endParaRPr lang="en-US"/>
           </a:p>
@@ -2887,7 +2887,7 @@
           </a:lstStyle>
           <a:p>
             <a:fld id="{DACD4D4D-C7B3-5F42-853B-1E10904A7BC6}" type="datetimeFigureOut">
-              <a:t>5/15/19</a:t>
+              <a:t>5/28/19</a:t>
             </a:fld>
             <a:endParaRPr lang="en-US"/>
           </a:p>
@@ -5483,7 +5483,7 @@
         </p:nvSpPr>
         <p:spPr>
           <a:xfrm>
-            <a:off x="2546383" y="4634202"/>
+            <a:off x="2609171" y="4578487"/>
             <a:ext cx="631374" cy="393404"/>
           </a:xfrm>
           <a:prstGeom prst="can">
@@ -6169,8 +6169,8 @@
         </p:nvSpPr>
         <p:spPr>
           <a:xfrm>
-            <a:off x="2410314" y="4951448"/>
-            <a:ext cx="1060267" cy="369332"/>
+            <a:off x="2694431" y="4904591"/>
+            <a:ext cx="484652" cy="369332"/>
           </a:xfrm>
           <a:prstGeom prst="rect">
             <a:avLst/>
@@ -6184,10 +6184,10 @@
           <a:lstStyle/>
           <a:p>
             <a:r>
-              <a:rPr lang="en-US" altLang="zh-CN"/>
-              <a:t>InfluxDB</a:t>
-            </a:r>
-            <a:endParaRPr lang="en-US"/>
+              <a:rPr lang="en-US" altLang="zh-CN" dirty="0"/>
+              <a:t>PG</a:t>
+            </a:r>
+            <a:endParaRPr lang="en-US" dirty="0"/>
           </a:p>
         </p:txBody>
       </p:sp>
@@ -6309,6 +6309,88 @@
           <a:p>
             <a:pPr algn="ctr"/>
             <a:endParaRPr lang="en-US" sz="1400"/>
+          </a:p>
+        </p:txBody>
+      </p:sp>
+      <p:sp>
+        <p:nvSpPr>
+          <p:cNvPr id="56" name="Can 55">
+            <a:extLst>
+              <a:ext uri="{FF2B5EF4-FFF2-40B4-BE49-F238E27FC236}">
+                <a16:creationId xmlns:a16="http://schemas.microsoft.com/office/drawing/2014/main" id="{4019D486-753A-2E40-BED9-FCE0C4173380}"/>
+              </a:ext>
+            </a:extLst>
+          </p:cNvPr>
+          <p:cNvSpPr/>
+          <p:nvPr/>
+        </p:nvSpPr>
+        <p:spPr>
+          <a:xfrm>
+            <a:off x="3986583" y="4583325"/>
+            <a:ext cx="631374" cy="393404"/>
+          </a:xfrm>
+          <a:prstGeom prst="can">
+            <a:avLst/>
+          </a:prstGeom>
+        </p:spPr>
+        <p:style>
+          <a:lnRef idx="2">
+            <a:schemeClr val="accent1">
+              <a:shade val="50000"/>
+            </a:schemeClr>
+          </a:lnRef>
+          <a:fillRef idx="1">
+            <a:schemeClr val="accent1"/>
+          </a:fillRef>
+          <a:effectRef idx="0">
+            <a:schemeClr val="accent1"/>
+          </a:effectRef>
+          <a:fontRef idx="minor">
+            <a:schemeClr val="lt1"/>
+          </a:fontRef>
+        </p:style>
+        <p:txBody>
+          <a:bodyPr rtlCol="0" anchor="ctr"/>
+          <a:lstStyle/>
+          <a:p>
+            <a:pPr algn="ctr"/>
+            <a:endParaRPr lang="en-US"/>
+          </a:p>
+        </p:txBody>
+      </p:sp>
+      <p:sp>
+        <p:nvSpPr>
+          <p:cNvPr id="57" name="TextBox 56">
+            <a:extLst>
+              <a:ext uri="{FF2B5EF4-FFF2-40B4-BE49-F238E27FC236}">
+                <a16:creationId xmlns:a16="http://schemas.microsoft.com/office/drawing/2014/main" id="{A9D62EEC-8209-8C43-8CA1-B4C4FD212464}"/>
+              </a:ext>
+            </a:extLst>
+          </p:cNvPr>
+          <p:cNvSpPr txBox="1"/>
+          <p:nvPr/>
+        </p:nvSpPr>
+        <p:spPr>
+          <a:xfrm>
+            <a:off x="3671729" y="4902456"/>
+            <a:ext cx="1438875" cy="369332"/>
+          </a:xfrm>
+          <a:prstGeom prst="rect">
+            <a:avLst/>
+          </a:prstGeom>
+          <a:noFill/>
+        </p:spPr>
+        <p:txBody>
+          <a:bodyPr wrap="square" rtlCol="0">
+            <a:spAutoFit/>
+          </a:bodyPr>
+          <a:lstStyle/>
+          <a:p>
+            <a:r>
+              <a:rPr lang="en-US" altLang="zh-CN" dirty="0"/>
+              <a:t>timescaleDB</a:t>
+            </a:r>
+            <a:endParaRPr lang="en-US" dirty="0"/>
           </a:p>
         </p:txBody>
       </p:sp>
